--- a/Presentation_Tarasov.pptx
+++ b/Presentation_Tarasov.pptx
@@ -213,7 +213,7 @@
           <a:p>
             <a:fld id="{77D36C68-DDAB-4D09-8E72-8E937BD7768C}" type="datetimeFigureOut">
               <a:rPr lang="ru-RU" smtClean="0"/>
-              <a:t>26.04.2023</a:t>
+              <a:t>18.05.2023</a:t>
             </a:fld>
             <a:endParaRPr lang="ru-RU"/>
           </a:p>
@@ -611,7 +611,7 @@
           <a:p>
             <a:fld id="{0CD2006A-6BE7-43E8-8AD6-C09FC266B36F}" type="datetime1">
               <a:rPr lang="ru-RU" smtClean="0"/>
-              <a:t>26.04.2023</a:t>
+              <a:t>18.05.2023</a:t>
             </a:fld>
             <a:endParaRPr lang="ru-RU"/>
           </a:p>
@@ -781,7 +781,7 @@
           <a:p>
             <a:fld id="{DCFD85EE-4AB9-42CD-8126-E74FE77A9ED8}" type="datetime1">
               <a:rPr lang="ru-RU" smtClean="0"/>
-              <a:t>26.04.2023</a:t>
+              <a:t>18.05.2023</a:t>
             </a:fld>
             <a:endParaRPr lang="ru-RU"/>
           </a:p>
@@ -961,7 +961,7 @@
           <a:p>
             <a:fld id="{560B916C-83BE-4CC1-8A21-D05CD30C43DB}" type="datetime1">
               <a:rPr lang="ru-RU" smtClean="0"/>
-              <a:t>26.04.2023</a:t>
+              <a:t>18.05.2023</a:t>
             </a:fld>
             <a:endParaRPr lang="ru-RU"/>
           </a:p>
@@ -1131,7 +1131,7 @@
           <a:p>
             <a:fld id="{D2E13183-B2A1-4784-80CE-65A33D52CB0B}" type="datetime1">
               <a:rPr lang="ru-RU" smtClean="0"/>
-              <a:t>26.04.2023</a:t>
+              <a:t>18.05.2023</a:t>
             </a:fld>
             <a:endParaRPr lang="ru-RU"/>
           </a:p>
@@ -1377,7 +1377,7 @@
           <a:p>
             <a:fld id="{DEA388E9-D2C3-4436-BFEE-5F0C2E0896FE}" type="datetime1">
               <a:rPr lang="ru-RU" smtClean="0"/>
-              <a:t>26.04.2023</a:t>
+              <a:t>18.05.2023</a:t>
             </a:fld>
             <a:endParaRPr lang="ru-RU"/>
           </a:p>
@@ -1609,7 +1609,7 @@
           <a:p>
             <a:fld id="{13A15BC7-66CE-44BA-84C4-ADF5D358A8E5}" type="datetime1">
               <a:rPr lang="ru-RU" smtClean="0"/>
-              <a:t>26.04.2023</a:t>
+              <a:t>18.05.2023</a:t>
             </a:fld>
             <a:endParaRPr lang="ru-RU"/>
           </a:p>
@@ -1976,7 +1976,7 @@
           <a:p>
             <a:fld id="{8C55F641-8A7B-48BB-9924-29525D09D843}" type="datetime1">
               <a:rPr lang="ru-RU" smtClean="0"/>
-              <a:t>26.04.2023</a:t>
+              <a:t>18.05.2023</a:t>
             </a:fld>
             <a:endParaRPr lang="ru-RU"/>
           </a:p>
@@ -2094,7 +2094,7 @@
           <a:p>
             <a:fld id="{28C4CC1A-CDB1-4CBC-83A8-3EB958439194}" type="datetime1">
               <a:rPr lang="ru-RU" smtClean="0"/>
-              <a:t>26.04.2023</a:t>
+              <a:t>18.05.2023</a:t>
             </a:fld>
             <a:endParaRPr lang="ru-RU"/>
           </a:p>
@@ -2189,7 +2189,7 @@
           <a:p>
             <a:fld id="{DCA5C5F1-78C0-4305-B0EC-8CEF047F6C93}" type="datetime1">
               <a:rPr lang="ru-RU" smtClean="0"/>
-              <a:t>26.04.2023</a:t>
+              <a:t>18.05.2023</a:t>
             </a:fld>
             <a:endParaRPr lang="ru-RU"/>
           </a:p>
@@ -2466,7 +2466,7 @@
           <a:p>
             <a:fld id="{8FF670FB-17C0-4434-90C8-A4668EF13565}" type="datetime1">
               <a:rPr lang="ru-RU" smtClean="0"/>
-              <a:t>26.04.2023</a:t>
+              <a:t>18.05.2023</a:t>
             </a:fld>
             <a:endParaRPr lang="ru-RU"/>
           </a:p>
@@ -2723,7 +2723,7 @@
           <a:p>
             <a:fld id="{5FA5D1FD-3FC4-47EA-B2EB-FF46800F6009}" type="datetime1">
               <a:rPr lang="ru-RU" smtClean="0"/>
-              <a:t>26.04.2023</a:t>
+              <a:t>18.05.2023</a:t>
             </a:fld>
             <a:endParaRPr lang="ru-RU"/>
           </a:p>
@@ -2936,7 +2936,7 @@
           <a:p>
             <a:fld id="{6C109404-ED28-47FE-9DC5-C6BCEA110D1D}" type="datetime1">
               <a:rPr lang="ru-RU" smtClean="0"/>
-              <a:t>26.04.2023</a:t>
+              <a:t>18.05.2023</a:t>
             </a:fld>
             <a:endParaRPr lang="ru-RU"/>
           </a:p>
@@ -3380,8 +3380,8 @@
         </p:nvSpPr>
         <p:spPr>
           <a:xfrm>
-            <a:off x="6606758" y="3287034"/>
-            <a:ext cx="3831772" cy="400110"/>
+            <a:off x="6606758" y="3133146"/>
+            <a:ext cx="3831772" cy="707886"/>
           </a:xfrm>
           <a:prstGeom prst="rect">
             <a:avLst/>
@@ -3402,7 +3402,7 @@
                 </a:solidFill>
                 <a:latin typeface="Elektra Text Pro" panose="02000503030000020004" pitchFamily="50" charset="-52"/>
               </a:rPr>
-              <a:t>Künstliche Intelligenz bei OMD</a:t>
+              <a:t>Künstliche Intelligenz bei Metallumformung</a:t>
             </a:r>
             <a:endParaRPr lang="ru-RU" sz="2000" dirty="0">
               <a:solidFill>

--- a/Presentation_Tarasov.pptx
+++ b/Presentation_Tarasov.pptx
@@ -4145,7 +4145,7 @@
                 </a:solidFill>
                 <a:latin typeface="Elektra Text Pro" panose="02000503030000020004" pitchFamily="50" charset="-52"/>
               </a:rPr>
-              <a:t>Programmkode</a:t>
+              <a:t>Programmcode</a:t>
             </a:r>
             <a:endParaRPr lang="ru-RU" dirty="0">
               <a:solidFill>
